--- a/02 Basic Data Import and Export/02a_basic_data_input_output.pptx
+++ b/02 Basic Data Import and Export/02a_basic_data_input_output.pptx
@@ -4533,13 +4533,39 @@
               <a:defRPr/>
             </a:pPr>
             <a:r>
-              <a:rPr lang="en-US" sz="5400" b="1" dirty="0">
+              <a:rPr lang="en-US" sz="4800" dirty="0">
                 <a:latin typeface="Calisto MT" pitchFamily="18" charset="0"/>
                 <a:ea typeface="Batang" pitchFamily="18" charset="-127"/>
               </a:rPr>
-              <a:t>Data Analysis &amp; Data Science with R</a:t>
-            </a:r>
-            <a:endParaRPr sz="5400" b="1" dirty="0">
+              <a:t>Data </a:t>
+            </a:r>
+            <a:br>
+              <a:rPr lang="en-US" sz="4800" dirty="0">
+                <a:latin typeface="Calisto MT" pitchFamily="18" charset="0"/>
+                <a:ea typeface="Batang" pitchFamily="18" charset="-127"/>
+              </a:rPr>
+            </a:br>
+            <a:r>
+              <a:rPr lang="en-US" sz="4800" dirty="0">
+                <a:latin typeface="Calisto MT" pitchFamily="18" charset="0"/>
+                <a:ea typeface="Batang" pitchFamily="18" charset="-127"/>
+              </a:rPr>
+              <a:t>Processing/Analysis/Science </a:t>
+            </a:r>
+            <a:br>
+              <a:rPr lang="en-US" sz="4800" dirty="0">
+                <a:latin typeface="Calisto MT" pitchFamily="18" charset="0"/>
+                <a:ea typeface="Batang" pitchFamily="18" charset="-127"/>
+              </a:rPr>
+            </a:br>
+            <a:r>
+              <a:rPr lang="en-US" sz="4800" dirty="0">
+                <a:latin typeface="Calisto MT" pitchFamily="18" charset="0"/>
+                <a:ea typeface="Batang" pitchFamily="18" charset="-127"/>
+              </a:rPr>
+              <a:t>with R</a:t>
+            </a:r>
+            <a:endParaRPr sz="4800" b="1" dirty="0">
               <a:latin typeface="Calisto MT" pitchFamily="18" charset="0"/>
               <a:ea typeface="Batang" pitchFamily="18" charset="-127"/>
             </a:endParaRPr>
@@ -11177,24 +11203,6 @@
 </file>
 
 <file path=customXml/item1.xml><?xml version="1.0" encoding="utf-8"?>
-<p:properties xmlns:p="http://schemas.microsoft.com/office/2006/metadata/properties" xmlns:xsi="http://www.w3.org/2001/XMLSchema-instance" xmlns:pc="http://schemas.microsoft.com/office/infopath/2007/PartnerControls">
-  <documentManagement>
-    <PublishingExpirationDate xmlns="http://schemas.microsoft.com/sharepoint/v3" xsi:nil="true"/>
-    <PublishingStartDate xmlns="http://schemas.microsoft.com/sharepoint/v3" xsi:nil="true"/>
-  </documentManagement>
-</p:properties>
-</file>
-
-<file path=customXml/item2.xml><?xml version="1.0" encoding="utf-8"?>
-<?mso-contentType ?>
-<FormTemplates xmlns="http://schemas.microsoft.com/sharepoint/v3/contenttype/forms">
-  <Display>DocumentLibraryForm</Display>
-  <Edit>DocumentLibraryForm</Edit>
-  <New>DocumentLibraryForm</New>
-</FormTemplates>
-</file>
-
-<file path=customXml/item3.xml><?xml version="1.0" encoding="utf-8"?>
 <ct:contentTypeSchema xmlns:ct="http://schemas.microsoft.com/office/2006/metadata/contentType" xmlns:ma="http://schemas.microsoft.com/office/2006/metadata/properties/metaAttributes" ct:_="" ma:_="" ma:contentTypeName="Document" ma:contentTypeID="0x010100096B49B3854D68488818EDCED21205E0" ma:contentTypeVersion="1" ma:contentTypeDescription="Create a new document." ma:contentTypeScope="" ma:versionID="19df96f823e8dadd7a2d85cd399a8563">
   <xsd:schema xmlns:xsd="http://www.w3.org/2001/XMLSchema" xmlns:xs="http://www.w3.org/2001/XMLSchema" xmlns:p="http://schemas.microsoft.com/office/2006/metadata/properties" xmlns:ns1="http://schemas.microsoft.com/sharepoint/v3" targetNamespace="http://schemas.microsoft.com/office/2006/metadata/properties" ma:root="true" ma:fieldsID="48c5b5cd9b8d25ff6dd15848836f4270" ns1:_="">
     <xsd:import namespace="http://schemas.microsoft.com/sharepoint/v3"/>
@@ -11326,25 +11334,25 @@
 </ct:contentTypeSchema>
 </file>
 
-<file path=customXml/itemProps1.xml><?xml version="1.0" encoding="utf-8"?>
-<ds:datastoreItem xmlns:ds="http://schemas.openxmlformats.org/officeDocument/2006/customXml" ds:itemID="{54CD3BE7-0032-4E8C-86A4-C34E4F7B3BD4}">
-  <ds:schemaRefs>
-    <ds:schemaRef ds:uri="http://schemas.microsoft.com/office/2006/metadata/properties"/>
-    <ds:schemaRef ds:uri="http://schemas.microsoft.com/office/infopath/2007/PartnerControls"/>
-    <ds:schemaRef ds:uri="http://schemas.microsoft.com/sharepoint/v3"/>
-  </ds:schemaRefs>
-</ds:datastoreItem>
+<file path=customXml/item2.xml><?xml version="1.0" encoding="utf-8"?>
+<?mso-contentType ?>
+<FormTemplates xmlns="http://schemas.microsoft.com/sharepoint/v3/contenttype/forms">
+  <Display>DocumentLibraryForm</Display>
+  <Edit>DocumentLibraryForm</Edit>
+  <New>DocumentLibraryForm</New>
+</FormTemplates>
 </file>
 
-<file path=customXml/itemProps2.xml><?xml version="1.0" encoding="utf-8"?>
-<ds:datastoreItem xmlns:ds="http://schemas.openxmlformats.org/officeDocument/2006/customXml" ds:itemID="{49A0D218-7590-46EC-B8CA-314A23782D01}">
-  <ds:schemaRefs>
-    <ds:schemaRef ds:uri="http://schemas.microsoft.com/sharepoint/v3/contenttype/forms"/>
-  </ds:schemaRefs>
-</ds:datastoreItem>
+<file path=customXml/item3.xml><?xml version="1.0" encoding="utf-8"?>
+<p:properties xmlns:p="http://schemas.microsoft.com/office/2006/metadata/properties" xmlns:xsi="http://www.w3.org/2001/XMLSchema-instance" xmlns:pc="http://schemas.microsoft.com/office/infopath/2007/PartnerControls">
+  <documentManagement>
+    <PublishingExpirationDate xmlns="http://schemas.microsoft.com/sharepoint/v3" xsi:nil="true"/>
+    <PublishingStartDate xmlns="http://schemas.microsoft.com/sharepoint/v3" xsi:nil="true"/>
+  </documentManagement>
+</p:properties>
 </file>
 
-<file path=customXml/itemProps3.xml><?xml version="1.0" encoding="utf-8"?>
+<file path=customXml/itemProps1.xml><?xml version="1.0" encoding="utf-8"?>
 <ds:datastoreItem xmlns:ds="http://schemas.openxmlformats.org/officeDocument/2006/customXml" ds:itemID="{327C9815-58E0-4B4A-9A14-134BD3309A0F}">
   <ds:schemaRefs>
     <ds:schemaRef ds:uri="http://schemas.microsoft.com/office/2006/metadata/contentType"/>
@@ -11360,4 +11368,22 @@
     <ds:schemaRef ds:uri="http://schemas.microsoft.com/internal/obd"/>
   </ds:schemaRefs>
 </ds:datastoreItem>
+</file>
+
+<file path=customXml/itemProps2.xml><?xml version="1.0" encoding="utf-8"?>
+<ds:datastoreItem xmlns:ds="http://schemas.openxmlformats.org/officeDocument/2006/customXml" ds:itemID="{49A0D218-7590-46EC-B8CA-314A23782D01}">
+  <ds:schemaRefs>
+    <ds:schemaRef ds:uri="http://schemas.microsoft.com/sharepoint/v3/contenttype/forms"/>
+  </ds:schemaRefs>
+</ds:datastoreItem>
+</file>
+
+<file path=customXml/itemProps3.xml><?xml version="1.0" encoding="utf-8"?>
+<ds:datastoreItem xmlns:ds="http://schemas.openxmlformats.org/officeDocument/2006/customXml" ds:itemID="{54CD3BE7-0032-4E8C-86A4-C34E4F7B3BD4}">
+  <ds:schemaRefs>
+    <ds:schemaRef ds:uri="http://schemas.microsoft.com/office/2006/metadata/properties"/>
+    <ds:schemaRef ds:uri="http://schemas.microsoft.com/office/infopath/2007/PartnerControls"/>
+    <ds:schemaRef ds:uri="http://schemas.microsoft.com/sharepoint/v3"/>
+  </ds:schemaRefs>
+</ds:datastoreItem>
 </file>